--- a/R-tree.pptx
+++ b/R-tree.pptx
@@ -4295,7 +4295,7 @@
         </p:blipFill>
         <p:spPr>
           <a:xfrm>
-            <a:off x="2324100" y="1397000"/>
+            <a:off x="2514600" y="1778000"/>
             <a:ext cx="3251200" cy="3149600"/>
           </a:xfrm>
           <a:prstGeom prst="rect">
@@ -4401,6 +4401,155 @@
           </a:p>
         </p:txBody>
       </p:sp>
+      <p:sp>
+        <p:nvSpPr>
+          <p:cNvPr id="5" name="Rectangle 4"/>
+          <p:cNvSpPr/>
+          <p:nvPr/>
+        </p:nvSpPr>
+        <p:spPr bwMode="auto">
+          <a:xfrm>
+            <a:off x="2654300" y="2070100"/>
+            <a:ext cx="3060700" cy="2768600"/>
+          </a:xfrm>
+          <a:prstGeom prst="rect">
+            <a:avLst/>
+          </a:prstGeom>
+          <a:noFill/>
+          <a:ln w="12700" cap="flat" cmpd="sng" algn="ctr">
+            <a:solidFill>
+              <a:srgbClr val="FF0000"/>
+            </a:solidFill>
+            <a:prstDash val="solid"/>
+            <a:round/>
+            <a:headEnd type="none" w="med" len="med"/>
+            <a:tailEnd type="none" w="med" len="med"/>
+          </a:ln>
+          <a:effectLst/>
+          <a:extLst/>
+        </p:spPr>
+        <p:txBody>
+          <a:bodyPr vert="horz" wrap="none" lIns="91440" tIns="45720" rIns="91440" bIns="45720" numCol="1" rtlCol="0" anchor="ctr" anchorCtr="0" compatLnSpc="1">
+            <a:prstTxWarp prst="textNoShape">
+              <a:avLst/>
+            </a:prstTxWarp>
+          </a:bodyPr>
+          <a:lstStyle/>
+          <a:p>
+            <a:pPr marL="0" marR="0" indent="0" algn="ctr" defTabSz="914400" rtl="0" eaLnBrk="0" fontAlgn="base" latinLnBrk="0" hangingPunct="0">
+              <a:lnSpc>
+                <a:spcPct val="100000"/>
+              </a:lnSpc>
+              <a:spcBef>
+                <a:spcPct val="0"/>
+              </a:spcBef>
+              <a:spcAft>
+                <a:spcPct val="0"/>
+              </a:spcAft>
+              <a:buClrTx/>
+              <a:buSzTx/>
+              <a:buFontTx/>
+              <a:buNone/>
+              <a:tabLst/>
+            </a:pPr>
+            <a:endParaRPr kumimoji="0" lang="en-US" sz="2800" b="0" i="0" u="none" strike="noStrike" cap="none" normalizeH="0" baseline="0">
+              <a:ln>
+                <a:noFill/>
+              </a:ln>
+              <a:solidFill>
+                <a:schemeClr val="tx1"/>
+              </a:solidFill>
+              <a:effectLst/>
+              <a:latin typeface="Times New Roman" charset="0"/>
+              <a:ea typeface="ＭＳ Ｐゴシック" charset="0"/>
+            </a:endParaRPr>
+          </a:p>
+        </p:txBody>
+      </p:sp>
+      <p:cxnSp>
+        <p:nvCxnSpPr>
+          <p:cNvPr id="7" name="Straight Arrow Connector 6"/>
+          <p:cNvCxnSpPr/>
+          <p:nvPr/>
+        </p:nvCxnSpPr>
+        <p:spPr bwMode="auto">
+          <a:xfrm>
+            <a:off x="2019300" y="5473700"/>
+            <a:ext cx="4241800" cy="12700"/>
+          </a:xfrm>
+          <a:prstGeom prst="straightConnector1">
+            <a:avLst/>
+          </a:prstGeom>
+          <a:solidFill>
+            <a:srgbClr val="C0C0C0">
+              <a:alpha val="50000"/>
+            </a:srgbClr>
+          </a:solidFill>
+          <a:ln w="9525" cap="flat" cmpd="sng" algn="ctr">
+            <a:solidFill>
+              <a:schemeClr val="tx1"/>
+            </a:solidFill>
+            <a:prstDash val="solid"/>
+            <a:round/>
+            <a:headEnd type="none" w="med" len="med"/>
+            <a:tailEnd type="arrow"/>
+          </a:ln>
+          <a:effectLst/>
+          <a:extLst>
+            <a:ext uri="{AF507438-7753-43e0-B8FC-AC1667EBCBE1}">
+              <a14:hiddenEffects xmlns:a14="http://schemas.microsoft.com/office/drawing/2010/main">
+                <a:effectLst>
+                  <a:outerShdw blurRad="63500" dist="35921" dir="2700000" algn="ctr" rotWithShape="0">
+                    <a:schemeClr val="bg2"/>
+                  </a:outerShdw>
+                </a:effectLst>
+              </a14:hiddenEffects>
+            </a:ext>
+          </a:extLst>
+        </p:spPr>
+      </p:cxnSp>
+      <p:cxnSp>
+        <p:nvCxnSpPr>
+          <p:cNvPr id="9" name="Straight Arrow Connector 8"/>
+          <p:cNvCxnSpPr/>
+          <p:nvPr/>
+        </p:nvCxnSpPr>
+        <p:spPr bwMode="auto">
+          <a:xfrm flipV="1">
+            <a:off x="2019300" y="1473200"/>
+            <a:ext cx="12700" cy="3987800"/>
+          </a:xfrm>
+          <a:prstGeom prst="straightConnector1">
+            <a:avLst/>
+          </a:prstGeom>
+          <a:solidFill>
+            <a:srgbClr val="C0C0C0">
+              <a:alpha val="50000"/>
+            </a:srgbClr>
+          </a:solidFill>
+          <a:ln w="9525" cap="flat" cmpd="sng" algn="ctr">
+            <a:solidFill>
+              <a:schemeClr val="tx1"/>
+            </a:solidFill>
+            <a:prstDash val="solid"/>
+            <a:round/>
+            <a:headEnd type="none" w="med" len="med"/>
+            <a:tailEnd type="arrow"/>
+          </a:ln>
+          <a:effectLst/>
+          <a:extLst>
+            <a:ext uri="{AF507438-7753-43e0-B8FC-AC1667EBCBE1}">
+              <a14:hiddenEffects xmlns:a14="http://schemas.microsoft.com/office/drawing/2010/main">
+                <a:effectLst>
+                  <a:outerShdw blurRad="63500" dist="35921" dir="2700000" algn="ctr" rotWithShape="0">
+                    <a:schemeClr val="bg2"/>
+                  </a:outerShdw>
+                </a:effectLst>
+              </a14:hiddenEffects>
+            </a:ext>
+          </a:extLst>
+        </p:spPr>
+      </p:cxnSp>
     </p:spTree>
     <p:extLst>
       <p:ext uri="{BB962C8B-B14F-4D97-AF65-F5344CB8AC3E}">
@@ -34040,9 +34189,6 @@
               </a:rPr>
               <a:t>Little Background</a:t>
             </a:r>
-            <a:endParaRPr lang="en-US" dirty="0" smtClean="0">
-              <a:cs typeface="+mj-cs"/>
-            </a:endParaRPr>
           </a:p>
         </p:txBody>
       </p:sp>
@@ -37266,7 +37412,7 @@
           <a:graphicData uri="http://schemas.openxmlformats.org/presentationml/2006/ole">
             <mc:AlternateContent xmlns:mc="http://schemas.openxmlformats.org/markup-compatibility/2006">
               <mc:Choice xmlns:v="urn:schemas-microsoft-com:vml" Requires="v">
-                <p:oleObj spid="_x0000_s4171" name="Equation" r:id="rId3" imgW="1968500" imgH="279400" progId="Equation.3">
+                <p:oleObj spid="_x0000_s4179" name="Equation" r:id="rId3" imgW="1968500" imgH="279400" progId="Equation.3">
                   <p:embed/>
                 </p:oleObj>
               </mc:Choice>
@@ -37361,7 +37507,7 @@
           <a:graphicData uri="http://schemas.openxmlformats.org/presentationml/2006/ole">
             <mc:AlternateContent xmlns:mc="http://schemas.openxmlformats.org/markup-compatibility/2006">
               <mc:Choice xmlns:v="urn:schemas-microsoft-com:vml" Requires="v">
-                <p:oleObj spid="_x0000_s4172" name="Equation" r:id="rId5" imgW="2133600" imgH="279400" progId="Equation.3">
+                <p:oleObj spid="_x0000_s4180" name="Equation" r:id="rId5" imgW="2133600" imgH="279400" progId="Equation.3">
                   <p:embed/>
                 </p:oleObj>
               </mc:Choice>
@@ -37528,7 +37674,7 @@
           <a:graphicData uri="http://schemas.openxmlformats.org/presentationml/2006/ole">
             <mc:AlternateContent xmlns:mc="http://schemas.openxmlformats.org/markup-compatibility/2006">
               <mc:Choice xmlns:v="urn:schemas-microsoft-com:vml" Requires="v">
-                <p:oleObj spid="_x0000_s4173" name="Equation" r:id="rId7" imgW="1269449" imgH="203112" progId="Equation.3">
+                <p:oleObj spid="_x0000_s4181" name="Equation" r:id="rId7" imgW="1269449" imgH="203112" progId="Equation.3">
                   <p:embed/>
                 </p:oleObj>
               </mc:Choice>
